--- a/ppts/Caching.pptx
+++ b/ppts/Caching.pptx
@@ -10554,7 +10554,7 @@
         </p:blipFill>
         <p:spPr bwMode="auto">
           <a:xfrm>
-            <a:off x="7704803" y="2566219"/>
+            <a:off x="8128873" y="2285385"/>
             <a:ext cx="3342873" cy="2287229"/>
           </a:xfrm>
           <a:prstGeom prst="rect">
